--- a/images/typicalSequenceDiagram.pptx
+++ b/images/typicalSequenceDiagram.pptx
@@ -208,7 +208,7 @@
           <a:p>
             <a:fld id="{DC50A2AC-D691-437C-A69B-81ECFE08AD4B}" type="datetimeFigureOut">
               <a:rPr lang="en-SG" smtClean="0"/>
-              <a:t>2/11/18</a:t>
+              <a:t>8/11/18</a:t>
             </a:fld>
             <a:endParaRPr lang="en-SG"/>
           </a:p>
@@ -745,7 +745,7 @@
             <a:fld id="{1D8BD707-D9CF-40AE-B4C6-C98DA3205C09}" type="datetimeFigureOut">
               <a:rPr lang="en-US" smtClean="0"/>
               <a:pPr/>
-              <a:t>11/2/18</a:t>
+              <a:t>11/8/18</a:t>
             </a:fld>
             <a:endParaRPr lang="en-US"/>
           </a:p>
@@ -910,7 +910,7 @@
             <a:fld id="{1D8BD707-D9CF-40AE-B4C6-C98DA3205C09}" type="datetimeFigureOut">
               <a:rPr lang="en-US" smtClean="0"/>
               <a:pPr/>
-              <a:t>11/2/18</a:t>
+              <a:t>11/8/18</a:t>
             </a:fld>
             <a:endParaRPr lang="en-US"/>
           </a:p>
@@ -1085,7 +1085,7 @@
             <a:fld id="{1D8BD707-D9CF-40AE-B4C6-C98DA3205C09}" type="datetimeFigureOut">
               <a:rPr lang="en-US" smtClean="0"/>
               <a:pPr/>
-              <a:t>11/2/18</a:t>
+              <a:t>11/8/18</a:t>
             </a:fld>
             <a:endParaRPr lang="en-US"/>
           </a:p>
@@ -1250,7 +1250,7 @@
             <a:fld id="{1D8BD707-D9CF-40AE-B4C6-C98DA3205C09}" type="datetimeFigureOut">
               <a:rPr lang="en-US" smtClean="0"/>
               <a:pPr/>
-              <a:t>11/2/18</a:t>
+              <a:t>11/8/18</a:t>
             </a:fld>
             <a:endParaRPr lang="en-US"/>
           </a:p>
@@ -1492,7 +1492,7 @@
             <a:fld id="{1D8BD707-D9CF-40AE-B4C6-C98DA3205C09}" type="datetimeFigureOut">
               <a:rPr lang="en-US" smtClean="0"/>
               <a:pPr/>
-              <a:t>11/2/18</a:t>
+              <a:t>11/8/18</a:t>
             </a:fld>
             <a:endParaRPr lang="en-US"/>
           </a:p>
@@ -1774,7 +1774,7 @@
             <a:fld id="{1D8BD707-D9CF-40AE-B4C6-C98DA3205C09}" type="datetimeFigureOut">
               <a:rPr lang="en-US" smtClean="0"/>
               <a:pPr/>
-              <a:t>11/2/18</a:t>
+              <a:t>11/8/18</a:t>
             </a:fld>
             <a:endParaRPr lang="en-US"/>
           </a:p>
@@ -2190,7 +2190,7 @@
             <a:fld id="{1D8BD707-D9CF-40AE-B4C6-C98DA3205C09}" type="datetimeFigureOut">
               <a:rPr lang="en-US" smtClean="0"/>
               <a:pPr/>
-              <a:t>11/2/18</a:t>
+              <a:t>11/8/18</a:t>
             </a:fld>
             <a:endParaRPr lang="en-US"/>
           </a:p>
@@ -2304,7 +2304,7 @@
             <a:fld id="{1D8BD707-D9CF-40AE-B4C6-C98DA3205C09}" type="datetimeFigureOut">
               <a:rPr lang="en-US" smtClean="0"/>
               <a:pPr/>
-              <a:t>11/2/18</a:t>
+              <a:t>11/8/18</a:t>
             </a:fld>
             <a:endParaRPr lang="en-US"/>
           </a:p>
@@ -2396,7 +2396,7 @@
             <a:fld id="{1D8BD707-D9CF-40AE-B4C6-C98DA3205C09}" type="datetimeFigureOut">
               <a:rPr lang="en-US" smtClean="0"/>
               <a:pPr/>
-              <a:t>11/2/18</a:t>
+              <a:t>11/8/18</a:t>
             </a:fld>
             <a:endParaRPr lang="en-US"/>
           </a:p>
@@ -2668,7 +2668,7 @@
             <a:fld id="{1D8BD707-D9CF-40AE-B4C6-C98DA3205C09}" type="datetimeFigureOut">
               <a:rPr lang="en-US" smtClean="0"/>
               <a:pPr/>
-              <a:t>11/2/18</a:t>
+              <a:t>11/8/18</a:t>
             </a:fld>
             <a:endParaRPr lang="en-US"/>
           </a:p>
@@ -2917,7 +2917,7 @@
             <a:fld id="{1D8BD707-D9CF-40AE-B4C6-C98DA3205C09}" type="datetimeFigureOut">
               <a:rPr lang="en-US" smtClean="0"/>
               <a:pPr/>
-              <a:t>11/2/18</a:t>
+              <a:t>11/8/18</a:t>
             </a:fld>
             <a:endParaRPr lang="en-US"/>
           </a:p>
@@ -3125,7 +3125,7 @@
             <a:fld id="{1D8BD707-D9CF-40AE-B4C6-C98DA3205C09}" type="datetimeFigureOut">
               <a:rPr lang="en-US" smtClean="0"/>
               <a:pPr/>
-              <a:t>11/2/18</a:t>
+              <a:t>11/8/18</a:t>
             </a:fld>
             <a:endParaRPr lang="en-US"/>
           </a:p>
@@ -3498,10 +3498,10 @@
       </p:grpSpPr>
       <p:sp>
         <p:nvSpPr>
-          <p:cNvPr id="53" name="Rectangle 52">
+          <p:cNvPr id="63" name="Rectangle 62">
             <a:extLst>
               <a:ext uri="{FF2B5EF4-FFF2-40B4-BE49-F238E27FC236}">
-                <a16:creationId xmlns:a16="http://schemas.microsoft.com/office/drawing/2014/main" id="{D7DFB46E-B8C8-AF44-A9C7-CFE6087B46D8}"/>
+                <a16:creationId xmlns:a16="http://schemas.microsoft.com/office/drawing/2014/main" id="{87A34366-CCB7-9F40-820A-2A60F031B013}"/>
               </a:ext>
             </a:extLst>
           </p:cNvPr>
@@ -3510,8 +3510,8 @@
         </p:nvSpPr>
         <p:spPr>
           <a:xfrm>
-            <a:off x="4217235" y="282074"/>
-            <a:ext cx="8744703" cy="8244594"/>
+            <a:off x="4217235" y="723987"/>
+            <a:ext cx="8744703" cy="7711194"/>
           </a:xfrm>
           <a:prstGeom prst="rect">
             <a:avLst/>
@@ -3560,8 +3560,8 @@
         </p:nvSpPr>
         <p:spPr>
           <a:xfrm>
-            <a:off x="918369" y="190587"/>
-            <a:ext cx="2914847" cy="8244594"/>
+            <a:off x="918369" y="692664"/>
+            <a:ext cx="2914847" cy="7742517"/>
           </a:xfrm>
           <a:prstGeom prst="rect">
             <a:avLst/>
@@ -3605,13 +3605,16 @@
               </a:ext>
             </a:extLst>
           </p:cNvPr>
-          <p:cNvCxnSpPr/>
+          <p:cNvCxnSpPr>
+            <a:cxnSpLocks/>
+            <a:endCxn id="99" idx="1"/>
+          </p:cNvCxnSpPr>
           <p:nvPr/>
         </p:nvCxnSpPr>
         <p:spPr>
           <a:xfrm>
-            <a:off x="10586291" y="4079067"/>
-            <a:ext cx="1247766" cy="0"/>
+            <a:off x="10967291" y="4520980"/>
+            <a:ext cx="847678" cy="13718"/>
           </a:xfrm>
           <a:prstGeom prst="straightConnector1">
             <a:avLst/>
@@ -3652,7 +3655,7 @@
         </p:nvCxnSpPr>
         <p:spPr>
           <a:xfrm flipH="1">
-            <a:off x="10514873" y="789155"/>
+            <a:off x="10895873" y="1231068"/>
             <a:ext cx="16784" cy="2567401"/>
           </a:xfrm>
           <a:prstGeom prst="line">
@@ -3690,9 +3693,9 @@
           <p:nvPr/>
         </p:nvCxnSpPr>
         <p:spPr>
-          <a:xfrm>
-            <a:off x="2984666" y="715672"/>
-            <a:ext cx="3891" cy="7306207"/>
+          <a:xfrm flipH="1">
+            <a:off x="2977822" y="1157585"/>
+            <a:ext cx="6844" cy="6896596"/>
           </a:xfrm>
           <a:prstGeom prst="line">
             <a:avLst/>
@@ -3729,7 +3732,7 @@
         </p:nvSpPr>
         <p:spPr>
           <a:xfrm>
-            <a:off x="2434025" y="344701"/>
+            <a:off x="2434025" y="786614"/>
             <a:ext cx="1082460" cy="458690"/>
           </a:xfrm>
           <a:prstGeom prst="rect">
@@ -3785,7 +3788,7 @@
         </p:nvSpPr>
         <p:spPr>
           <a:xfrm>
-            <a:off x="3423438" y="6546361"/>
+            <a:off x="3423438" y="6988274"/>
             <a:ext cx="1152249" cy="651297"/>
           </a:xfrm>
           <a:prstGeom prst="foldedCorner">
@@ -3853,54 +3856,6 @@
           </a:p>
         </p:txBody>
       </p:sp>
-      <p:pic>
-        <p:nvPicPr>
-          <p:cNvPr id="197" name="Picture 2" descr="http://screenshots.en.sftcdn.net/en/scrn/70000/70210/google-app-engine-1.jpg"/>
-          <p:cNvPicPr>
-            <a:picLocks noChangeAspect="1" noChangeArrowheads="1"/>
-          </p:cNvPicPr>
-          <p:nvPr/>
-        </p:nvPicPr>
-        <p:blipFill>
-          <a:blip r:embed="rId3" cstate="print">
-            <a:clrChange>
-              <a:clrFrom>
-                <a:srgbClr val="FFFFFF"/>
-              </a:clrFrom>
-              <a:clrTo>
-                <a:srgbClr val="FFFFFF">
-                  <a:alpha val="0"/>
-                </a:srgbClr>
-              </a:clrTo>
-            </a:clrChange>
-            <a:extLst>
-              <a:ext uri="{BEBA8EAE-BF5A-486C-A8C5-ECC9F3942E4B}">
-                <a14:imgProps xmlns:a14="http://schemas.microsoft.com/office/drawing/2010/main">
-                  <a14:imgLayer r:embed="rId4">
-                    <a14:imgEffect>
-                      <a14:saturation sat="0"/>
-                    </a14:imgEffect>
-                  </a14:imgLayer>
-                </a14:imgProps>
-              </a:ext>
-            </a:extLst>
-          </a:blip>
-          <a:srcRect/>
-          <a:stretch>
-            <a:fillRect/>
-          </a:stretch>
-        </p:blipFill>
-        <p:spPr bwMode="auto">
-          <a:xfrm>
-            <a:off x="7333123" y="1122673"/>
-            <a:ext cx="853615" cy="853615"/>
-          </a:xfrm>
-          <a:prstGeom prst="rect">
-            <a:avLst/>
-          </a:prstGeom>
-          <a:noFill/>
-        </p:spPr>
-      </p:pic>
       <p:cxnSp>
         <p:nvCxnSpPr>
           <p:cNvPr id="198" name="Straight Connector 197"/>
@@ -3912,8 +3867,8 @@
         </p:nvCxnSpPr>
         <p:spPr>
           <a:xfrm flipH="1">
-            <a:off x="4842399" y="820196"/>
-            <a:ext cx="21959" cy="5544870"/>
+            <a:off x="4834476" y="1262109"/>
+            <a:ext cx="29884" cy="5392471"/>
           </a:xfrm>
           <a:prstGeom prst="line">
             <a:avLst/>
@@ -3950,8 +3905,8 @@
         </p:nvSpPr>
         <p:spPr>
           <a:xfrm>
-            <a:off x="9921310" y="557119"/>
-            <a:ext cx="1134270" cy="397748"/>
+            <a:off x="10312783" y="844596"/>
+            <a:ext cx="1123795" cy="405052"/>
           </a:xfrm>
           <a:prstGeom prst="rect">
             <a:avLst/>
@@ -3994,7 +3949,7 @@
         </p:nvSpPr>
         <p:spPr>
           <a:xfrm>
-            <a:off x="6249919" y="487959"/>
+            <a:off x="6018093" y="844596"/>
             <a:ext cx="1143000" cy="390708"/>
           </a:xfrm>
           <a:prstGeom prst="rect">
@@ -4038,7 +3993,7 @@
         </p:nvSpPr>
         <p:spPr>
           <a:xfrm>
-            <a:off x="4336232" y="404858"/>
+            <a:off x="4320856" y="813979"/>
             <a:ext cx="1077937" cy="415338"/>
           </a:xfrm>
           <a:prstGeom prst="rect">
@@ -4091,7 +4046,7 @@
         </p:nvCxnSpPr>
         <p:spPr>
           <a:xfrm>
-            <a:off x="2984666" y="1500680"/>
+            <a:off x="2984666" y="1942593"/>
             <a:ext cx="1758094" cy="0"/>
           </a:xfrm>
           <a:prstGeom prst="straightConnector1">
@@ -4132,8 +4087,8 @@
         </p:nvCxnSpPr>
         <p:spPr>
           <a:xfrm>
-            <a:off x="4957619" y="1793067"/>
-            <a:ext cx="1748082" cy="9523"/>
+            <a:off x="4931655" y="2234980"/>
+            <a:ext cx="1544796" cy="9523"/>
           </a:xfrm>
           <a:prstGeom prst="straightConnector1">
             <a:avLst/>
@@ -4167,8 +4122,8 @@
         </p:nvCxnSpPr>
         <p:spPr>
           <a:xfrm flipV="1">
-            <a:off x="8794826" y="4528764"/>
-            <a:ext cx="1542181" cy="7503"/>
+            <a:off x="9528969" y="4978180"/>
+            <a:ext cx="1181388" cy="1"/>
           </a:xfrm>
           <a:prstGeom prst="straightConnector1">
             <a:avLst/>
@@ -4205,8 +4160,8 @@
         </p:nvSpPr>
         <p:spPr>
           <a:xfrm>
-            <a:off x="4742760" y="1259667"/>
-            <a:ext cx="199277" cy="5105399"/>
+            <a:off x="4726915" y="1942593"/>
+            <a:ext cx="215122" cy="4711987"/>
           </a:xfrm>
           <a:prstGeom prst="rect">
             <a:avLst/>
@@ -4251,7 +4206,7 @@
         </p:nvCxnSpPr>
         <p:spPr>
           <a:xfrm>
-            <a:off x="3140829" y="6212667"/>
+            <a:off x="3140829" y="6654580"/>
             <a:ext cx="1601931" cy="0"/>
           </a:xfrm>
           <a:prstGeom prst="straightConnector1">
@@ -4291,8 +4246,8 @@
         </p:nvSpPr>
         <p:spPr>
           <a:xfrm>
-            <a:off x="2912200" y="1171816"/>
-            <a:ext cx="152714" cy="6850063"/>
+            <a:off x="2890730" y="1784380"/>
+            <a:ext cx="174184" cy="6269801"/>
           </a:xfrm>
           <a:prstGeom prst="rect">
             <a:avLst/>
@@ -4347,7 +4302,7 @@
         </p:nvSpPr>
         <p:spPr>
           <a:xfrm>
-            <a:off x="3178729" y="1208292"/>
+            <a:off x="3178729" y="1650205"/>
             <a:ext cx="850614" cy="584775"/>
           </a:xfrm>
           <a:prstGeom prst="rect">
@@ -4414,7 +4369,7 @@
         </p:nvSpPr>
         <p:spPr>
           <a:xfrm>
-            <a:off x="5348781" y="1464036"/>
+            <a:off x="5119531" y="1905949"/>
             <a:ext cx="903588" cy="338554"/>
           </a:xfrm>
           <a:prstGeom prst="rect">
@@ -4459,7 +4414,7 @@
         </p:nvCxnSpPr>
         <p:spPr>
           <a:xfrm>
-            <a:off x="6816874" y="882737"/>
+            <a:off x="6587624" y="1324650"/>
             <a:ext cx="0" cy="3430147"/>
           </a:xfrm>
           <a:prstGeom prst="line">
@@ -4497,8 +4452,8 @@
         </p:nvSpPr>
         <p:spPr>
           <a:xfrm>
-            <a:off x="8114968" y="495703"/>
-            <a:ext cx="874712" cy="390708"/>
+            <a:off x="8907129" y="937616"/>
+            <a:ext cx="1016791" cy="291701"/>
           </a:xfrm>
           <a:prstGeom prst="rect">
             <a:avLst/>
@@ -4538,14 +4493,15 @@
           <p:cNvPr id="243" name="Straight Connector 242"/>
           <p:cNvCxnSpPr>
             <a:cxnSpLocks/>
+            <a:stCxn id="242" idx="2"/>
             <a:endCxn id="251" idx="2"/>
           </p:cNvCxnSpPr>
           <p:nvPr/>
         </p:nvCxnSpPr>
         <p:spPr>
-          <a:xfrm flipH="1">
-            <a:off x="8659908" y="886411"/>
-            <a:ext cx="11992" cy="4366619"/>
+          <a:xfrm>
+            <a:off x="9415525" y="1229317"/>
+            <a:ext cx="15942" cy="4282263"/>
           </a:xfrm>
           <a:prstGeom prst="line">
             <a:avLst/>
@@ -4582,8 +4538,8 @@
         </p:nvCxnSpPr>
         <p:spPr>
           <a:xfrm>
-            <a:off x="8794826" y="3164667"/>
-            <a:ext cx="1601699" cy="0"/>
+            <a:off x="9586988" y="3606580"/>
+            <a:ext cx="1126484" cy="14670"/>
           </a:xfrm>
           <a:prstGeom prst="straightConnector1">
             <a:avLst/>
@@ -4621,8 +4577,8 @@
         </p:nvCxnSpPr>
         <p:spPr>
           <a:xfrm>
-            <a:off x="6938805" y="2863543"/>
-            <a:ext cx="1633545" cy="25609"/>
+            <a:off x="6633369" y="3385678"/>
+            <a:ext cx="2654852" cy="251"/>
           </a:xfrm>
           <a:prstGeom prst="straightConnector1">
             <a:avLst/>
@@ -4655,13 +4611,14 @@
           <p:cNvPr id="250" name="Straight Arrow Connector 249"/>
           <p:cNvCxnSpPr>
             <a:cxnSpLocks/>
+            <a:endCxn id="251" idx="2"/>
           </p:cNvCxnSpPr>
           <p:nvPr/>
         </p:nvCxnSpPr>
         <p:spPr>
           <a:xfrm>
-            <a:off x="6922875" y="5069667"/>
-            <a:ext cx="1633545" cy="0"/>
+            <a:off x="6709569" y="5511580"/>
+            <a:ext cx="2721898" cy="0"/>
           </a:xfrm>
           <a:prstGeom prst="straightConnector1">
             <a:avLst/>
@@ -4698,8 +4655,8 @@
         </p:nvSpPr>
         <p:spPr>
           <a:xfrm>
-            <a:off x="8545032" y="2249860"/>
-            <a:ext cx="229751" cy="3003170"/>
+            <a:off x="9333965" y="3385678"/>
+            <a:ext cx="195004" cy="2125902"/>
           </a:xfrm>
           <a:prstGeom prst="rect">
             <a:avLst/>
@@ -4741,66 +4698,14 @@
       </p:sp>
       <p:sp>
         <p:nvSpPr>
-          <p:cNvPr id="255" name="Arc 254"/>
-          <p:cNvSpPr/>
-          <p:nvPr/>
-        </p:nvSpPr>
-        <p:spPr>
-          <a:xfrm>
-            <a:off x="6670164" y="1873637"/>
-            <a:ext cx="457200" cy="307776"/>
-          </a:xfrm>
-          <a:prstGeom prst="arc">
-            <a:avLst>
-              <a:gd name="adj1" fmla="val 16200000"/>
-              <a:gd name="adj2" fmla="val 5721350"/>
-            </a:avLst>
-          </a:prstGeom>
-          <a:ln w="38100">
-            <a:solidFill>
-              <a:srgbClr val="4F81BD"/>
-            </a:solidFill>
-            <a:prstDash val="solid"/>
-            <a:tailEnd type="arrow"/>
-          </a:ln>
-        </p:spPr>
-        <p:style>
-          <a:lnRef idx="1">
-            <a:schemeClr val="accent1"/>
-          </a:lnRef>
-          <a:fillRef idx="0">
-            <a:schemeClr val="accent1"/>
-          </a:fillRef>
-          <a:effectRef idx="0">
-            <a:schemeClr val="accent1"/>
-          </a:effectRef>
-          <a:fontRef idx="minor">
-            <a:schemeClr val="tx1"/>
-          </a:fontRef>
-        </p:style>
-        <p:txBody>
-          <a:bodyPr rtlCol="0" anchor="ctr"/>
-          <a:lstStyle/>
-          <a:p>
-            <a:pPr algn="ctr"/>
-            <a:endParaRPr lang="en-SG">
-              <a:solidFill>
-                <a:srgbClr val="4F81BD"/>
-              </a:solidFill>
-            </a:endParaRPr>
-          </a:p>
-        </p:txBody>
-      </p:sp>
-      <p:sp>
-        <p:nvSpPr>
           <p:cNvPr id="263" name="Rectangle 262"/>
           <p:cNvSpPr/>
           <p:nvPr/>
         </p:nvSpPr>
         <p:spPr>
           <a:xfrm>
-            <a:off x="10396525" y="2472792"/>
-            <a:ext cx="189766" cy="2193473"/>
+            <a:off x="10706148" y="3621250"/>
+            <a:ext cx="261143" cy="1356930"/>
           </a:xfrm>
           <a:prstGeom prst="rect">
             <a:avLst/>
@@ -4850,8 +4755,8 @@
         </p:nvCxnSpPr>
         <p:spPr>
           <a:xfrm>
-            <a:off x="10607955" y="3545667"/>
-            <a:ext cx="1226102" cy="0"/>
+            <a:off x="10988955" y="3987580"/>
+            <a:ext cx="826014" cy="0"/>
           </a:xfrm>
           <a:prstGeom prst="straightConnector1">
             <a:avLst/>
@@ -4883,8 +4788,8 @@
         </p:nvSpPr>
         <p:spPr>
           <a:xfrm>
-            <a:off x="6705701" y="1625638"/>
-            <a:ext cx="217174" cy="4129829"/>
+            <a:off x="6469294" y="2244504"/>
+            <a:ext cx="224332" cy="3807942"/>
           </a:xfrm>
           <a:prstGeom prst="rect">
             <a:avLst/>
@@ -4932,7 +4837,7 @@
         </p:nvSpPr>
         <p:spPr>
           <a:xfrm>
-            <a:off x="9071769" y="2826113"/>
+            <a:off x="9863931" y="3268026"/>
             <a:ext cx="1119236" cy="338554"/>
           </a:xfrm>
           <a:prstGeom prst="rect">
@@ -4972,13 +4877,14 @@
           <p:cNvPr id="308" name="Straight Arrow Connector 307"/>
           <p:cNvCxnSpPr>
             <a:cxnSpLocks/>
+            <a:endCxn id="248" idx="2"/>
           </p:cNvCxnSpPr>
           <p:nvPr/>
         </p:nvCxnSpPr>
         <p:spPr>
           <a:xfrm>
-            <a:off x="4977574" y="5610532"/>
-            <a:ext cx="1665767" cy="0"/>
+            <a:off x="4942037" y="6052445"/>
+            <a:ext cx="1639423" cy="1"/>
           </a:xfrm>
           <a:prstGeom prst="straightConnector1">
             <a:avLst/>
@@ -5021,7 +4927,7 @@
         </p:nvSpPr>
         <p:spPr>
           <a:xfrm>
-            <a:off x="918369" y="190587"/>
+            <a:off x="918369" y="632500"/>
             <a:ext cx="991269" cy="444192"/>
           </a:xfrm>
           <a:prstGeom prst="rect">
@@ -5154,7 +5060,7 @@
         </p:nvGrpSpPr>
         <p:grpSpPr>
           <a:xfrm>
-            <a:off x="1160723" y="588953"/>
+            <a:off x="1160723" y="1030866"/>
             <a:ext cx="540671" cy="499093"/>
             <a:chOff x="678792" y="144177"/>
             <a:chExt cx="441804" cy="392765"/>
@@ -5451,9 +5357,9 @@
           <p:nvPr/>
         </p:nvCxnSpPr>
         <p:spPr>
-          <a:xfrm>
-            <a:off x="1401425" y="1122673"/>
-            <a:ext cx="0" cy="7039031"/>
+          <a:xfrm flipH="1">
+            <a:off x="1386516" y="1564586"/>
+            <a:ext cx="14909" cy="6718195"/>
           </a:xfrm>
           <a:prstGeom prst="line">
             <a:avLst/>
@@ -5498,7 +5404,7 @@
         </p:nvCxnSpPr>
         <p:spPr>
           <a:xfrm>
-            <a:off x="1414003" y="1327348"/>
+            <a:off x="1414003" y="1769261"/>
             <a:ext cx="1490416" cy="8519"/>
           </a:xfrm>
           <a:prstGeom prst="straightConnector1">
@@ -5537,7 +5443,7 @@
         </p:nvSpPr>
         <p:spPr>
           <a:xfrm>
-            <a:off x="7184077" y="1799275"/>
+            <a:off x="6733013" y="1972328"/>
             <a:ext cx="1249931" cy="584775"/>
           </a:xfrm>
           <a:prstGeom prst="rect">
@@ -5568,14 +5474,18 @@
             <a:r>
               <a:rPr lang="en-US" dirty="0">
                 <a:solidFill>
-                  <a:srgbClr val="4F81BD"/>
+                  <a:schemeClr val="accent5">
+                    <a:lumMod val="75000"/>
+                  </a:schemeClr>
                 </a:solidFill>
               </a:rPr>
               <a:t>check access rights</a:t>
             </a:r>
             <a:endParaRPr lang="en-SG" dirty="0">
               <a:solidFill>
-                <a:srgbClr val="4F81BD"/>
+                <a:schemeClr val="accent5">
+                  <a:lumMod val="75000"/>
+                </a:schemeClr>
               </a:solidFill>
             </a:endParaRPr>
           </a:p>
@@ -5595,8 +5505,8 @@
         </p:nvSpPr>
         <p:spPr>
           <a:xfrm>
-            <a:off x="11814969" y="190587"/>
-            <a:ext cx="914400" cy="8244594"/>
+            <a:off x="11814969" y="786614"/>
+            <a:ext cx="914400" cy="7496167"/>
           </a:xfrm>
           <a:prstGeom prst="roundRect">
             <a:avLst>
@@ -5663,7 +5573,7 @@
         </p:nvSpPr>
         <p:spPr>
           <a:xfrm>
-            <a:off x="2758313" y="6482655"/>
+            <a:off x="2758313" y="6924568"/>
             <a:ext cx="613201" cy="715004"/>
           </a:xfrm>
           <a:prstGeom prst="arc">
@@ -5721,7 +5631,7 @@
         </p:nvSpPr>
         <p:spPr>
           <a:xfrm>
-            <a:off x="6951622" y="2487559"/>
+            <a:off x="7435303" y="3008444"/>
             <a:ext cx="1328592" cy="338554"/>
           </a:xfrm>
           <a:prstGeom prst="rect">
@@ -5779,7 +5689,7 @@
         </p:nvSpPr>
         <p:spPr>
           <a:xfrm>
-            <a:off x="10771933" y="3179337"/>
+            <a:off x="11010188" y="3621250"/>
             <a:ext cx="1119236" cy="338554"/>
           </a:xfrm>
           <a:prstGeom prst="rect">
@@ -5828,7 +5738,7 @@
         </p:nvSpPr>
         <p:spPr>
           <a:xfrm>
-            <a:off x="1652509" y="1021665"/>
+            <a:off x="1652509" y="1463578"/>
             <a:ext cx="866060" cy="584775"/>
           </a:xfrm>
           <a:prstGeom prst="rect">
@@ -5903,7 +5813,7 @@
         </p:nvCxnSpPr>
         <p:spPr>
           <a:xfrm>
-            <a:off x="1386516" y="7812867"/>
+            <a:off x="1386516" y="8054181"/>
             <a:ext cx="1535809" cy="0"/>
           </a:xfrm>
           <a:prstGeom prst="straightConnector1">
@@ -5911,7 +5821,9 @@
           </a:prstGeom>
           <a:ln w="38100">
             <a:solidFill>
-              <a:srgbClr val="92D050"/>
+              <a:schemeClr val="bg1">
+                <a:lumMod val="50000"/>
+              </a:schemeClr>
             </a:solidFill>
             <a:prstDash val="sysDot"/>
             <a:headEnd type="arrow" w="med" len="med"/>
@@ -5947,8 +5859,8 @@
         </p:nvSpPr>
         <p:spPr>
           <a:xfrm>
-            <a:off x="156369" y="344701"/>
-            <a:ext cx="762000" cy="707886"/>
+            <a:off x="1155796" y="113950"/>
+            <a:ext cx="2828297" cy="461665"/>
           </a:xfrm>
           <a:prstGeom prst="rect">
             <a:avLst/>
@@ -5963,25 +5875,273 @@
           <a:p>
             <a:pPr algn="ctr"/>
             <a:r>
-              <a:rPr lang="en-US" dirty="0"/>
-              <a:t>Front</a:t>
-            </a:r>
-          </a:p>
-          <a:p>
-            <a:pPr algn="ctr"/>
-            <a:r>
-              <a:rPr lang="en-US" dirty="0"/>
-              <a:t>end</a:t>
-            </a:r>
-          </a:p>
-        </p:txBody>
-      </p:sp>
-      <p:sp>
-        <p:nvSpPr>
-          <p:cNvPr id="51" name="TextBox 50">
+              <a:rPr lang="en-US" sz="2400" b="1" dirty="0" err="1"/>
+              <a:t>Frondend</a:t>
+            </a:r>
+            <a:endParaRPr lang="en-US" sz="2400" b="1" dirty="0"/>
+          </a:p>
+        </p:txBody>
+      </p:sp>
+      <p:sp>
+        <p:nvSpPr>
+          <p:cNvPr id="54" name="Rectangle 53">
             <a:extLst>
               <a:ext uri="{FF2B5EF4-FFF2-40B4-BE49-F238E27FC236}">
-                <a16:creationId xmlns:a16="http://schemas.microsoft.com/office/drawing/2014/main" id="{D0F27059-7BCC-ED4D-B589-94265C902B62}"/>
+                <a16:creationId xmlns:a16="http://schemas.microsoft.com/office/drawing/2014/main" id="{2E68F955-2A5B-E34A-8A72-FD07076189CF}"/>
+              </a:ext>
+            </a:extLst>
+          </p:cNvPr>
+          <p:cNvSpPr/>
+          <p:nvPr/>
+        </p:nvSpPr>
+        <p:spPr>
+          <a:xfrm>
+            <a:off x="7418340" y="929186"/>
+            <a:ext cx="1244938" cy="304621"/>
+          </a:xfrm>
+          <a:prstGeom prst="rect">
+            <a:avLst/>
+          </a:prstGeom>
+          <a:solidFill>
+            <a:schemeClr val="accent5"/>
+          </a:solidFill>
+        </p:spPr>
+        <p:style>
+          <a:lnRef idx="2">
+            <a:schemeClr val="accent2">
+              <a:shade val="50000"/>
+            </a:schemeClr>
+          </a:lnRef>
+          <a:fillRef idx="1">
+            <a:schemeClr val="accent2"/>
+          </a:fillRef>
+          <a:effectRef idx="0">
+            <a:schemeClr val="accent2"/>
+          </a:effectRef>
+          <a:fontRef idx="minor">
+            <a:schemeClr val="lt1"/>
+          </a:fontRef>
+        </p:style>
+        <p:txBody>
+          <a:bodyPr rtlCol="0" anchor="ctr"/>
+          <a:lstStyle/>
+          <a:p>
+            <a:pPr algn="ctr"/>
+            <a:r>
+              <a:rPr lang="en-US" sz="1400" b="1" dirty="0"/>
+              <a:t>:</a:t>
+            </a:r>
+            <a:r>
+              <a:rPr lang="en-US" sz="1400" b="1" dirty="0" err="1"/>
+              <a:t>GateKeeper</a:t>
+            </a:r>
+            <a:endParaRPr lang="en-SG" sz="1400" b="1" dirty="0"/>
+          </a:p>
+        </p:txBody>
+      </p:sp>
+      <p:cxnSp>
+        <p:nvCxnSpPr>
+          <p:cNvPr id="65" name="Straight Connector 64">
+            <a:extLst>
+              <a:ext uri="{FF2B5EF4-FFF2-40B4-BE49-F238E27FC236}">
+                <a16:creationId xmlns:a16="http://schemas.microsoft.com/office/drawing/2014/main" id="{4CA5DEAC-3C90-7A4C-81E0-B9BD938E3A62}"/>
+              </a:ext>
+            </a:extLst>
+          </p:cNvPr>
+          <p:cNvCxnSpPr>
+            <a:cxnSpLocks/>
+            <a:endCxn id="66" idx="2"/>
+          </p:cNvCxnSpPr>
+          <p:nvPr/>
+        </p:nvCxnSpPr>
+        <p:spPr>
+          <a:xfrm flipH="1">
+            <a:off x="8028592" y="1262109"/>
+            <a:ext cx="4250" cy="1665867"/>
+          </a:xfrm>
+          <a:prstGeom prst="line">
+            <a:avLst/>
+          </a:prstGeom>
+          <a:ln w="28575">
+            <a:solidFill>
+              <a:schemeClr val="accent5">
+                <a:lumMod val="50000"/>
+              </a:schemeClr>
+            </a:solidFill>
+            <a:prstDash val="sysDash"/>
+          </a:ln>
+        </p:spPr>
+        <p:style>
+          <a:lnRef idx="1">
+            <a:schemeClr val="accent1"/>
+          </a:lnRef>
+          <a:fillRef idx="0">
+            <a:schemeClr val="accent1"/>
+          </a:fillRef>
+          <a:effectRef idx="0">
+            <a:schemeClr val="accent1"/>
+          </a:effectRef>
+          <a:fontRef idx="minor">
+            <a:schemeClr val="tx1"/>
+          </a:fontRef>
+        </p:style>
+      </p:cxnSp>
+      <p:sp>
+        <p:nvSpPr>
+          <p:cNvPr id="66" name="Rectangle 65">
+            <a:extLst>
+              <a:ext uri="{FF2B5EF4-FFF2-40B4-BE49-F238E27FC236}">
+                <a16:creationId xmlns:a16="http://schemas.microsoft.com/office/drawing/2014/main" id="{509E0132-F7DB-2B46-8BA2-2FF3390D1E6A}"/>
+              </a:ext>
+            </a:extLst>
+          </p:cNvPr>
+          <p:cNvSpPr/>
+          <p:nvPr/>
+        </p:nvSpPr>
+        <p:spPr>
+          <a:xfrm>
+            <a:off x="7926222" y="2484378"/>
+            <a:ext cx="204740" cy="443598"/>
+          </a:xfrm>
+          <a:prstGeom prst="rect">
+            <a:avLst/>
+          </a:prstGeom>
+          <a:solidFill>
+            <a:schemeClr val="accent5">
+              <a:lumMod val="40000"/>
+              <a:lumOff val="60000"/>
+            </a:schemeClr>
+          </a:solidFill>
+          <a:ln>
+            <a:solidFill>
+              <a:schemeClr val="accent5">
+                <a:lumMod val="50000"/>
+              </a:schemeClr>
+            </a:solidFill>
+          </a:ln>
+        </p:spPr>
+        <p:style>
+          <a:lnRef idx="2">
+            <a:schemeClr val="accent6"/>
+          </a:lnRef>
+          <a:fillRef idx="1">
+            <a:schemeClr val="lt1"/>
+          </a:fillRef>
+          <a:effectRef idx="0">
+            <a:schemeClr val="accent6"/>
+          </a:effectRef>
+          <a:fontRef idx="minor">
+            <a:schemeClr val="dk1"/>
+          </a:fontRef>
+        </p:style>
+        <p:txBody>
+          <a:bodyPr rtlCol="0" anchor="ctr"/>
+          <a:lstStyle/>
+          <a:p>
+            <a:pPr algn="ctr"/>
+            <a:endParaRPr lang="en-SG"/>
+          </a:p>
+        </p:txBody>
+      </p:sp>
+      <p:cxnSp>
+        <p:nvCxnSpPr>
+          <p:cNvPr id="70" name="Straight Arrow Connector 69">
+            <a:extLst>
+              <a:ext uri="{FF2B5EF4-FFF2-40B4-BE49-F238E27FC236}">
+                <a16:creationId xmlns:a16="http://schemas.microsoft.com/office/drawing/2014/main" id="{2FA425E9-011F-244E-B2EC-3D6454269CA6}"/>
+              </a:ext>
+            </a:extLst>
+          </p:cNvPr>
+          <p:cNvCxnSpPr>
+            <a:cxnSpLocks/>
+          </p:cNvCxnSpPr>
+          <p:nvPr/>
+        </p:nvCxnSpPr>
+        <p:spPr>
+          <a:xfrm>
+            <a:off x="6693625" y="2514768"/>
+            <a:ext cx="1232597" cy="0"/>
+          </a:xfrm>
+          <a:prstGeom prst="straightConnector1">
+            <a:avLst/>
+          </a:prstGeom>
+          <a:ln w="38100">
+            <a:solidFill>
+              <a:srgbClr val="4F81BD"/>
+            </a:solidFill>
+            <a:prstDash val="solid"/>
+            <a:tailEnd type="arrow"/>
+          </a:ln>
+        </p:spPr>
+        <p:style>
+          <a:lnRef idx="1">
+            <a:schemeClr val="accent1"/>
+          </a:lnRef>
+          <a:fillRef idx="0">
+            <a:schemeClr val="accent1"/>
+          </a:fillRef>
+          <a:effectRef idx="0">
+            <a:schemeClr val="accent1"/>
+          </a:effectRef>
+          <a:fontRef idx="minor">
+            <a:schemeClr val="tx1"/>
+          </a:fontRef>
+        </p:style>
+      </p:cxnSp>
+      <p:cxnSp>
+        <p:nvCxnSpPr>
+          <p:cNvPr id="72" name="Straight Arrow Connector 71">
+            <a:extLst>
+              <a:ext uri="{FF2B5EF4-FFF2-40B4-BE49-F238E27FC236}">
+                <a16:creationId xmlns:a16="http://schemas.microsoft.com/office/drawing/2014/main" id="{36FB239C-1DBF-9741-B84C-A3C73DBADC55}"/>
+              </a:ext>
+            </a:extLst>
+          </p:cNvPr>
+          <p:cNvCxnSpPr>
+            <a:cxnSpLocks/>
+          </p:cNvCxnSpPr>
+          <p:nvPr/>
+        </p:nvCxnSpPr>
+        <p:spPr>
+          <a:xfrm>
+            <a:off x="6693625" y="2933494"/>
+            <a:ext cx="1232597" cy="0"/>
+          </a:xfrm>
+          <a:prstGeom prst="straightConnector1">
+            <a:avLst/>
+          </a:prstGeom>
+          <a:ln w="38100">
+            <a:solidFill>
+              <a:schemeClr val="accent5">
+                <a:lumMod val="75000"/>
+              </a:schemeClr>
+            </a:solidFill>
+            <a:prstDash val="sysDot"/>
+            <a:headEnd type="arrow" w="med" len="med"/>
+            <a:tailEnd type="none" w="med" len="med"/>
+          </a:ln>
+        </p:spPr>
+        <p:style>
+          <a:lnRef idx="1">
+            <a:schemeClr val="accent1"/>
+          </a:lnRef>
+          <a:fillRef idx="0">
+            <a:schemeClr val="accent1"/>
+          </a:fillRef>
+          <a:effectRef idx="0">
+            <a:schemeClr val="accent1"/>
+          </a:effectRef>
+          <a:fontRef idx="minor">
+            <a:schemeClr val="tx1"/>
+          </a:fontRef>
+        </p:style>
+      </p:cxnSp>
+      <p:sp>
+        <p:nvSpPr>
+          <p:cNvPr id="85" name="TextBox 84">
+            <a:extLst>
+              <a:ext uri="{FF2B5EF4-FFF2-40B4-BE49-F238E27FC236}">
+                <a16:creationId xmlns:a16="http://schemas.microsoft.com/office/drawing/2014/main" id="{E8587636-C457-7546-A42B-633AD1B5F445}"/>
               </a:ext>
             </a:extLst>
           </p:cNvPr>
@@ -5990,8 +6150,8 @@
         </p:nvSpPr>
         <p:spPr>
           <a:xfrm>
-            <a:off x="5469001" y="201833"/>
-            <a:ext cx="762000" cy="707886"/>
+            <a:off x="6882178" y="118661"/>
+            <a:ext cx="2645619" cy="461665"/>
           </a:xfrm>
           <a:prstGeom prst="rect">
             <a:avLst/>
@@ -6006,15 +6166,8 @@
           <a:p>
             <a:pPr algn="ctr"/>
             <a:r>
-              <a:rPr lang="en-US" dirty="0"/>
-              <a:t>Back</a:t>
-            </a:r>
-          </a:p>
-          <a:p>
-            <a:pPr algn="ctr"/>
-            <a:r>
-              <a:rPr lang="en-US" dirty="0"/>
-              <a:t>end</a:t>
+              <a:rPr lang="en-US" sz="2400" b="1" dirty="0"/>
+              <a:t>Backend</a:t>
             </a:r>
           </a:p>
         </p:txBody>
